--- a/lab4/spec/figs/lab4figs.pptx
+++ b/lab4/spec/figs/lab4figs.pptx
@@ -260,7 +260,7 @@
           <a:p>
             <a:fld id="{1B25F642-269C-6245-83B5-56A0632BE4AF}" type="datetimeFigureOut">
               <a:rPr lang="en-US" smtClean="0"/>
-              <a:t>9/15/21</a:t>
+              <a:t>9/20/21</a:t>
             </a:fld>
             <a:endParaRPr lang="en-US"/>
           </a:p>
@@ -458,7 +458,7 @@
           <a:p>
             <a:fld id="{1B25F642-269C-6245-83B5-56A0632BE4AF}" type="datetimeFigureOut">
               <a:rPr lang="en-US" smtClean="0"/>
-              <a:t>9/15/21</a:t>
+              <a:t>9/20/21</a:t>
             </a:fld>
             <a:endParaRPr lang="en-US"/>
           </a:p>
@@ -666,7 +666,7 @@
           <a:p>
             <a:fld id="{1B25F642-269C-6245-83B5-56A0632BE4AF}" type="datetimeFigureOut">
               <a:rPr lang="en-US" smtClean="0"/>
-              <a:t>9/15/21</a:t>
+              <a:t>9/20/21</a:t>
             </a:fld>
             <a:endParaRPr lang="en-US"/>
           </a:p>
@@ -864,7 +864,7 @@
           <a:p>
             <a:fld id="{1B25F642-269C-6245-83B5-56A0632BE4AF}" type="datetimeFigureOut">
               <a:rPr lang="en-US" smtClean="0"/>
-              <a:t>9/15/21</a:t>
+              <a:t>9/20/21</a:t>
             </a:fld>
             <a:endParaRPr lang="en-US"/>
           </a:p>
@@ -1139,7 +1139,7 @@
           <a:p>
             <a:fld id="{1B25F642-269C-6245-83B5-56A0632BE4AF}" type="datetimeFigureOut">
               <a:rPr lang="en-US" smtClean="0"/>
-              <a:t>9/15/21</a:t>
+              <a:t>9/20/21</a:t>
             </a:fld>
             <a:endParaRPr lang="en-US"/>
           </a:p>
@@ -1404,7 +1404,7 @@
           <a:p>
             <a:fld id="{1B25F642-269C-6245-83B5-56A0632BE4AF}" type="datetimeFigureOut">
               <a:rPr lang="en-US" smtClean="0"/>
-              <a:t>9/15/21</a:t>
+              <a:t>9/20/21</a:t>
             </a:fld>
             <a:endParaRPr lang="en-US"/>
           </a:p>
@@ -1816,7 +1816,7 @@
           <a:p>
             <a:fld id="{1B25F642-269C-6245-83B5-56A0632BE4AF}" type="datetimeFigureOut">
               <a:rPr lang="en-US" smtClean="0"/>
-              <a:t>9/15/21</a:t>
+              <a:t>9/20/21</a:t>
             </a:fld>
             <a:endParaRPr lang="en-US"/>
           </a:p>
@@ -1957,7 +1957,7 @@
           <a:p>
             <a:fld id="{1B25F642-269C-6245-83B5-56A0632BE4AF}" type="datetimeFigureOut">
               <a:rPr lang="en-US" smtClean="0"/>
-              <a:t>9/15/21</a:t>
+              <a:t>9/20/21</a:t>
             </a:fld>
             <a:endParaRPr lang="en-US"/>
           </a:p>
@@ -2070,7 +2070,7 @@
           <a:p>
             <a:fld id="{1B25F642-269C-6245-83B5-56A0632BE4AF}" type="datetimeFigureOut">
               <a:rPr lang="en-US" smtClean="0"/>
-              <a:t>9/15/21</a:t>
+              <a:t>9/20/21</a:t>
             </a:fld>
             <a:endParaRPr lang="en-US"/>
           </a:p>
@@ -2381,7 +2381,7 @@
           <a:p>
             <a:fld id="{1B25F642-269C-6245-83B5-56A0632BE4AF}" type="datetimeFigureOut">
               <a:rPr lang="en-US" smtClean="0"/>
-              <a:t>9/15/21</a:t>
+              <a:t>9/20/21</a:t>
             </a:fld>
             <a:endParaRPr lang="en-US"/>
           </a:p>
@@ -2669,7 +2669,7 @@
           <a:p>
             <a:fld id="{1B25F642-269C-6245-83B5-56A0632BE4AF}" type="datetimeFigureOut">
               <a:rPr lang="en-US" smtClean="0"/>
-              <a:t>9/15/21</a:t>
+              <a:t>9/20/21</a:t>
             </a:fld>
             <a:endParaRPr lang="en-US"/>
           </a:p>
@@ -2910,7 +2910,7 @@
           <a:p>
             <a:fld id="{1B25F642-269C-6245-83B5-56A0632BE4AF}" type="datetimeFigureOut">
               <a:rPr lang="en-US" smtClean="0"/>
-              <a:t>9/15/21</a:t>
+              <a:t>9/20/21</a:t>
             </a:fld>
             <a:endParaRPr lang="en-US"/>
           </a:p>
@@ -3329,10 +3329,10 @@
       </p:grpSpPr>
       <p:grpSp>
         <p:nvGrpSpPr>
-          <p:cNvPr id="90" name="Group 89">
+          <p:cNvPr id="47" name="Group 46">
             <a:extLst>
               <a:ext uri="{FF2B5EF4-FFF2-40B4-BE49-F238E27FC236}">
-                <a16:creationId xmlns:a16="http://schemas.microsoft.com/office/drawing/2014/main" id="{1852DFE4-556E-E548-BF05-2115B636DA51}"/>
+                <a16:creationId xmlns:a16="http://schemas.microsoft.com/office/drawing/2014/main" id="{08409120-EB05-184D-9D6F-EA8A9EB318FC}"/>
               </a:ext>
             </a:extLst>
           </p:cNvPr>
@@ -3342,9 +3342,9 @@
         <p:grpSpPr>
           <a:xfrm>
             <a:off x="974050" y="1323099"/>
-            <a:ext cx="9169410" cy="4641766"/>
+            <a:ext cx="9381175" cy="4641766"/>
             <a:chOff x="974050" y="1323099"/>
-            <a:chExt cx="9169410" cy="4641766"/>
+            <a:chExt cx="9381175" cy="4641766"/>
           </a:xfrm>
         </p:grpSpPr>
         <p:sp>
@@ -3362,7 +3362,7 @@
           <p:spPr>
             <a:xfrm>
               <a:off x="1397007" y="1636197"/>
-              <a:ext cx="3609788" cy="2267474"/>
+              <a:ext cx="3609788" cy="2185470"/>
             </a:xfrm>
             <a:prstGeom prst="rect">
               <a:avLst/>
@@ -3541,70 +3541,6 @@
         </p:sp>
         <p:sp>
           <p:nvSpPr>
-            <p:cNvPr id="7" name="Rectangle 6">
-              <a:extLst>
-                <a:ext uri="{FF2B5EF4-FFF2-40B4-BE49-F238E27FC236}">
-                  <a16:creationId xmlns:a16="http://schemas.microsoft.com/office/drawing/2014/main" id="{887548FE-73C9-DA40-BEB6-C89D62D7F8E0}"/>
-                </a:ext>
-              </a:extLst>
-            </p:cNvPr>
-            <p:cNvSpPr/>
-            <p:nvPr/>
-          </p:nvSpPr>
-          <p:spPr>
-            <a:xfrm>
-              <a:off x="5443070" y="2105061"/>
-              <a:ext cx="1305859" cy="1339626"/>
-            </a:xfrm>
-            <a:prstGeom prst="rect">
-              <a:avLst/>
-            </a:prstGeom>
-            <a:solidFill>
-              <a:schemeClr val="bg2">
-                <a:lumMod val="90000"/>
-              </a:schemeClr>
-            </a:solidFill>
-            <a:ln w="25400">
-              <a:solidFill>
-                <a:schemeClr val="tx1"/>
-              </a:solidFill>
-            </a:ln>
-          </p:spPr>
-          <p:style>
-            <a:lnRef idx="2">
-              <a:schemeClr val="accent1">
-                <a:shade val="50000"/>
-              </a:schemeClr>
-            </a:lnRef>
-            <a:fillRef idx="1">
-              <a:schemeClr val="accent1"/>
-            </a:fillRef>
-            <a:effectRef idx="0">
-              <a:schemeClr val="accent1"/>
-            </a:effectRef>
-            <a:fontRef idx="minor">
-              <a:schemeClr val="lt1"/>
-            </a:fontRef>
-          </p:style>
-          <p:txBody>
-            <a:bodyPr rtlCol="0" anchor="ctr" anchorCtr="0"/>
-            <a:lstStyle/>
-            <a:p>
-              <a:pPr algn="ctr"/>
-              <a:r>
-                <a:rPr lang="en-US" sz="2000" dirty="0">
-                  <a:solidFill>
-                    <a:schemeClr val="tx1"/>
-                  </a:solidFill>
-                  <a:latin typeface="+mj-lt"/>
-                </a:rPr>
-                <a:t>Sampler</a:t>
-              </a:r>
-            </a:p>
-          </p:txBody>
-        </p:sp>
-        <p:sp>
-          <p:nvSpPr>
             <p:cNvPr id="8" name="Rectangle 7">
               <a:extLst>
                 <a:ext uri="{FF2B5EF4-FFF2-40B4-BE49-F238E27FC236}">
@@ -3617,7 +3553,7 @@
           </p:nvSpPr>
           <p:spPr>
             <a:xfrm>
-              <a:off x="7345082" y="2105061"/>
+              <a:off x="5473961" y="2105061"/>
               <a:ext cx="1305859" cy="1339626"/>
             </a:xfrm>
             <a:prstGeom prst="rect">
@@ -3669,10 +3605,10 @@
         </p:sp>
         <p:sp>
           <p:nvSpPr>
-            <p:cNvPr id="9" name="Rectangle 8">
+            <p:cNvPr id="10" name="Rectangle 9">
               <a:extLst>
                 <a:ext uri="{FF2B5EF4-FFF2-40B4-BE49-F238E27FC236}">
-                  <a16:creationId xmlns:a16="http://schemas.microsoft.com/office/drawing/2014/main" id="{D7D25ED3-46B9-BA4C-B1CB-2D9007CDAD84}"/>
+                  <a16:creationId xmlns:a16="http://schemas.microsoft.com/office/drawing/2014/main" id="{6455E695-BD12-E74C-ABF4-C310AC2E161E}"/>
                 </a:ext>
               </a:extLst>
             </p:cNvPr>
@@ -3681,8 +3617,8 @@
           </p:nvSpPr>
           <p:spPr>
             <a:xfrm>
-              <a:off x="1750358" y="4379255"/>
-              <a:ext cx="1305859" cy="998969"/>
+              <a:off x="1397006" y="4133138"/>
+              <a:ext cx="3684143" cy="1429751"/>
             </a:xfrm>
             <a:prstGeom prst="rect">
               <a:avLst/>
@@ -3726,147 +3662,7 @@
                   </a:solidFill>
                   <a:latin typeface="+mj-lt"/>
                 </a:rPr>
-                <a:t>RAM</a:t>
-              </a:r>
-            </a:p>
-            <a:p>
-              <a:pPr algn="ctr"/>
-              <a:r>
-                <a:rPr lang="en-US" sz="2000" dirty="0">
-                  <a:solidFill>
-                    <a:schemeClr val="tx1"/>
-                  </a:solidFill>
-                  <a:latin typeface="+mj-lt"/>
-                </a:rPr>
-                <a:t>14x4</a:t>
-              </a:r>
-            </a:p>
-          </p:txBody>
-        </p:sp>
-        <p:sp>
-          <p:nvSpPr>
-            <p:cNvPr id="10" name="Rectangle 9">
-              <a:extLst>
-                <a:ext uri="{FF2B5EF4-FFF2-40B4-BE49-F238E27FC236}">
-                  <a16:creationId xmlns:a16="http://schemas.microsoft.com/office/drawing/2014/main" id="{6455E695-BD12-E74C-ABF4-C310AC2E161E}"/>
-                </a:ext>
-              </a:extLst>
-            </p:cNvPr>
-            <p:cNvSpPr/>
-            <p:nvPr/>
-          </p:nvSpPr>
-          <p:spPr>
-            <a:xfrm>
-              <a:off x="3538071" y="4379254"/>
-              <a:ext cx="1305859" cy="998969"/>
-            </a:xfrm>
-            <a:prstGeom prst="rect">
-              <a:avLst/>
-            </a:prstGeom>
-            <a:solidFill>
-              <a:schemeClr val="bg2">
-                <a:lumMod val="90000"/>
-              </a:schemeClr>
-            </a:solidFill>
-            <a:ln w="25400">
-              <a:solidFill>
-                <a:schemeClr val="tx1"/>
-              </a:solidFill>
-            </a:ln>
-          </p:spPr>
-          <p:style>
-            <a:lnRef idx="2">
-              <a:schemeClr val="accent1">
-                <a:shade val="50000"/>
-              </a:schemeClr>
-            </a:lnRef>
-            <a:fillRef idx="1">
-              <a:schemeClr val="accent1"/>
-            </a:fillRef>
-            <a:effectRef idx="0">
-              <a:schemeClr val="accent1"/>
-            </a:effectRef>
-            <a:fontRef idx="minor">
-              <a:schemeClr val="lt1"/>
-            </a:fontRef>
-          </p:style>
-          <p:txBody>
-            <a:bodyPr rtlCol="0" anchor="ctr" anchorCtr="0"/>
-            <a:lstStyle/>
-            <a:p>
-              <a:pPr algn="ctr"/>
-              <a:r>
-                <a:rPr lang="en-US" sz="2000" dirty="0">
-                  <a:solidFill>
-                    <a:schemeClr val="tx1"/>
-                  </a:solidFill>
-                  <a:latin typeface="+mj-lt"/>
-                </a:rPr>
-                <a:t>FSM</a:t>
-              </a:r>
-            </a:p>
-          </p:txBody>
-        </p:sp>
-        <p:sp>
-          <p:nvSpPr>
-            <p:cNvPr id="11" name="Rectangle 10">
-              <a:extLst>
-                <a:ext uri="{FF2B5EF4-FFF2-40B4-BE49-F238E27FC236}">
-                  <a16:creationId xmlns:a16="http://schemas.microsoft.com/office/drawing/2014/main" id="{5216558E-8896-CE41-996A-BC18C85116EA}"/>
-                </a:ext>
-              </a:extLst>
-            </p:cNvPr>
-            <p:cNvSpPr/>
-            <p:nvPr/>
-          </p:nvSpPr>
-          <p:spPr>
-            <a:xfrm>
-              <a:off x="5682750" y="4197716"/>
-              <a:ext cx="1791445" cy="1339626"/>
-            </a:xfrm>
-            <a:prstGeom prst="rect">
-              <a:avLst/>
-            </a:prstGeom>
-            <a:solidFill>
-              <a:schemeClr val="bg2">
-                <a:lumMod val="90000"/>
-              </a:schemeClr>
-            </a:solidFill>
-            <a:ln w="25400">
-              <a:solidFill>
-                <a:schemeClr val="tx1"/>
-              </a:solidFill>
-            </a:ln>
-          </p:spPr>
-          <p:style>
-            <a:lnRef idx="2">
-              <a:schemeClr val="accent1">
-                <a:shade val="50000"/>
-              </a:schemeClr>
-            </a:lnRef>
-            <a:fillRef idx="1">
-              <a:schemeClr val="accent1"/>
-            </a:fillRef>
-            <a:effectRef idx="0">
-              <a:schemeClr val="accent1"/>
-            </a:effectRef>
-            <a:fontRef idx="minor">
-              <a:schemeClr val="lt1"/>
-            </a:fontRef>
-          </p:style>
-          <p:txBody>
-            <a:bodyPr rtlCol="0" anchor="ctr" anchorCtr="0"/>
-            <a:lstStyle/>
-            <a:p>
-              <a:pPr algn="ctr"/>
-              <a:r>
-                <a:rPr lang="en-US" sz="2000" dirty="0">
-                  <a:solidFill>
-                    <a:schemeClr val="tx1"/>
-                  </a:solidFill>
-                  <a:latin typeface="+mj-lt"/>
-                </a:rPr>
-                <a:t>Button Parser</a:t>
+                <a:t>                FSM</a:t>
               </a:r>
             </a:p>
           </p:txBody>
@@ -3918,51 +3714,6 @@
         </p:cxnSp>
         <p:cxnSp>
           <p:nvCxnSpPr>
-            <p:cNvPr id="17" name="Straight Connector 16">
-              <a:extLst>
-                <a:ext uri="{FF2B5EF4-FFF2-40B4-BE49-F238E27FC236}">
-                  <a16:creationId xmlns:a16="http://schemas.microsoft.com/office/drawing/2014/main" id="{DE8DDDA2-3DB6-A14F-82D3-B760CF664B9C}"/>
-                </a:ext>
-              </a:extLst>
-            </p:cNvPr>
-            <p:cNvCxnSpPr>
-              <a:cxnSpLocks/>
-              <a:stCxn id="10" idx="1"/>
-              <a:endCxn id="9" idx="3"/>
-            </p:cNvCxnSpPr>
-            <p:nvPr/>
-          </p:nvCxnSpPr>
-          <p:spPr>
-            <a:xfrm flipH="1">
-              <a:off x="3056217" y="4878739"/>
-              <a:ext cx="481854" cy="1"/>
-            </a:xfrm>
-            <a:prstGeom prst="line">
-              <a:avLst/>
-            </a:prstGeom>
-            <a:ln w="25400">
-              <a:solidFill>
-                <a:schemeClr val="tx1"/>
-              </a:solidFill>
-            </a:ln>
-          </p:spPr>
-          <p:style>
-            <a:lnRef idx="1">
-              <a:schemeClr val="accent1"/>
-            </a:lnRef>
-            <a:fillRef idx="0">
-              <a:schemeClr val="accent1"/>
-            </a:fillRef>
-            <a:effectRef idx="0">
-              <a:schemeClr val="accent1"/>
-            </a:effectRef>
-            <a:fontRef idx="minor">
-              <a:schemeClr val="tx1"/>
-            </a:fontRef>
-          </p:style>
-        </p:cxnSp>
-        <p:cxnSp>
-          <p:nvCxnSpPr>
             <p:cNvPr id="20" name="Straight Connector 19">
               <a:extLst>
                 <a:ext uri="{FF2B5EF4-FFF2-40B4-BE49-F238E27FC236}">
@@ -3979,8 +3730,8 @@
           </p:nvCxnSpPr>
           <p:spPr>
             <a:xfrm flipH="1">
-              <a:off x="4843930" y="4867529"/>
-              <a:ext cx="838820" cy="11210"/>
+              <a:off x="5081149" y="4842815"/>
+              <a:ext cx="1009378" cy="5199"/>
             </a:xfrm>
             <a:prstGeom prst="line">
               <a:avLst/>
@@ -4017,7 +3768,7 @@
             </p:cNvPr>
             <p:cNvCxnSpPr>
               <a:cxnSpLocks/>
-              <a:stCxn id="7" idx="1"/>
+              <a:stCxn id="8" idx="1"/>
               <a:endCxn id="6" idx="3"/>
             </p:cNvCxnSpPr>
             <p:nvPr/>
@@ -4025,52 +3776,7 @@
           <p:spPr>
             <a:xfrm flipH="1">
               <a:off x="4731123" y="2774874"/>
-              <a:ext cx="711947" cy="0"/>
-            </a:xfrm>
-            <a:prstGeom prst="line">
-              <a:avLst/>
-            </a:prstGeom>
-            <a:ln w="25400">
-              <a:solidFill>
-                <a:schemeClr val="tx1"/>
-              </a:solidFill>
-            </a:ln>
-          </p:spPr>
-          <p:style>
-            <a:lnRef idx="1">
-              <a:schemeClr val="accent1"/>
-            </a:lnRef>
-            <a:fillRef idx="0">
-              <a:schemeClr val="accent1"/>
-            </a:fillRef>
-            <a:effectRef idx="0">
-              <a:schemeClr val="accent1"/>
-            </a:effectRef>
-            <a:fontRef idx="minor">
-              <a:schemeClr val="tx1"/>
-            </a:fontRef>
-          </p:style>
-        </p:cxnSp>
-        <p:cxnSp>
-          <p:nvCxnSpPr>
-            <p:cNvPr id="27" name="Straight Connector 26">
-              <a:extLst>
-                <a:ext uri="{FF2B5EF4-FFF2-40B4-BE49-F238E27FC236}">
-                  <a16:creationId xmlns:a16="http://schemas.microsoft.com/office/drawing/2014/main" id="{2B4D8C74-971D-244C-9DDC-2C8307ACFE2C}"/>
-                </a:ext>
-              </a:extLst>
-            </p:cNvPr>
-            <p:cNvCxnSpPr>
-              <a:cxnSpLocks/>
-              <a:stCxn id="8" idx="1"/>
-              <a:endCxn id="7" idx="3"/>
-            </p:cNvCxnSpPr>
-            <p:nvPr/>
-          </p:nvCxnSpPr>
-          <p:spPr>
-            <a:xfrm flipH="1">
-              <a:off x="6748929" y="2774874"/>
-              <a:ext cx="596153" cy="0"/>
+              <a:ext cx="742838" cy="0"/>
             </a:xfrm>
             <a:prstGeom prst="line">
               <a:avLst/>
@@ -4110,7 +3816,7 @@
           </p:nvSpPr>
           <p:spPr>
             <a:xfrm>
-              <a:off x="7998011" y="3086558"/>
+              <a:off x="6126890" y="3086558"/>
               <a:ext cx="659732" cy="369332"/>
             </a:xfrm>
             <a:prstGeom prst="rect">
@@ -4136,86 +3842,131 @@
             </a:p>
           </p:txBody>
         </p:sp>
-        <p:sp>
-          <p:nvSpPr>
-            <p:cNvPr id="31" name="TextBox 30">
+        <p:grpSp>
+          <p:nvGrpSpPr>
+            <p:cNvPr id="26" name="Group 25">
               <a:extLst>
                 <a:ext uri="{FF2B5EF4-FFF2-40B4-BE49-F238E27FC236}">
-                  <a16:creationId xmlns:a16="http://schemas.microsoft.com/office/drawing/2014/main" id="{13AF0280-F688-A244-8A46-213D76454A4D}"/>
+                  <a16:creationId xmlns:a16="http://schemas.microsoft.com/office/drawing/2014/main" id="{37C50461-FAC5-D040-AB47-5A3AB8342FB7}"/>
                 </a:ext>
               </a:extLst>
             </p:cNvPr>
-            <p:cNvSpPr txBox="1"/>
+            <p:cNvGrpSpPr/>
             <p:nvPr/>
-          </p:nvSpPr>
-          <p:spPr>
+          </p:nvGrpSpPr>
+          <p:grpSpPr>
             <a:xfrm>
-              <a:off x="5697682" y="3086558"/>
-              <a:ext cx="1054648" cy="369332"/>
+              <a:off x="6090527" y="4173002"/>
+              <a:ext cx="1791445" cy="1389887"/>
+              <a:chOff x="5682750" y="4173002"/>
+              <a:chExt cx="1791445" cy="1389887"/>
             </a:xfrm>
-            <a:prstGeom prst="rect">
-              <a:avLst/>
-            </a:prstGeom>
-            <a:noFill/>
-          </p:spPr>
-          <p:txBody>
-            <a:bodyPr wrap="none" rtlCol="0">
-              <a:spAutoFit/>
-            </a:bodyPr>
-            <a:lstStyle/>
-            <a:p>
-              <a:r>
-                <a:rPr lang="en-US" i="1" dirty="0" err="1">
+          </p:grpSpPr>
+          <p:sp>
+            <p:nvSpPr>
+              <p:cNvPr id="11" name="Rectangle 10">
+                <a:extLst>
+                  <a:ext uri="{FF2B5EF4-FFF2-40B4-BE49-F238E27FC236}">
+                    <a16:creationId xmlns:a16="http://schemas.microsoft.com/office/drawing/2014/main" id="{5216558E-8896-CE41-996A-BC18C85116EA}"/>
+                  </a:ext>
+                </a:extLst>
+              </p:cNvPr>
+              <p:cNvSpPr/>
+              <p:nvPr/>
+            </p:nvSpPr>
+            <p:spPr>
+              <a:xfrm>
+                <a:off x="5682750" y="4173002"/>
+                <a:ext cx="1791445" cy="1339626"/>
+              </a:xfrm>
+              <a:prstGeom prst="rect">
+                <a:avLst/>
+              </a:prstGeom>
+              <a:solidFill>
+                <a:schemeClr val="bg2">
+                  <a:lumMod val="90000"/>
+                </a:schemeClr>
+              </a:solidFill>
+              <a:ln w="25400">
+                <a:solidFill>
+                  <a:schemeClr val="tx1"/>
+                </a:solidFill>
+              </a:ln>
+            </p:spPr>
+            <p:style>
+              <a:lnRef idx="2">
+                <a:schemeClr val="accent1">
+                  <a:shade val="50000"/>
+                </a:schemeClr>
+              </a:lnRef>
+              <a:fillRef idx="1">
+                <a:schemeClr val="accent1"/>
+              </a:fillRef>
+              <a:effectRef idx="0">
+                <a:schemeClr val="accent1"/>
+              </a:effectRef>
+              <a:fontRef idx="minor">
+                <a:schemeClr val="lt1"/>
+              </a:fontRef>
+            </p:style>
+            <p:txBody>
+              <a:bodyPr rtlCol="0" anchor="ctr" anchorCtr="0"/>
+              <a:lstStyle/>
+              <a:p>
+                <a:pPr algn="ctr"/>
+                <a:r>
+                  <a:rPr lang="en-US" sz="2000" dirty="0">
+                    <a:solidFill>
+                      <a:schemeClr val="tx1"/>
+                    </a:solidFill>
+                    <a:latin typeface="+mj-lt"/>
+                  </a:rPr>
+                  <a:t>Button Parser</a:t>
+                </a:r>
+              </a:p>
+            </p:txBody>
+          </p:sp>
+          <p:sp>
+            <p:nvSpPr>
+              <p:cNvPr id="32" name="TextBox 31">
+                <a:extLst>
+                  <a:ext uri="{FF2B5EF4-FFF2-40B4-BE49-F238E27FC236}">
+                    <a16:creationId xmlns:a16="http://schemas.microsoft.com/office/drawing/2014/main" id="{10BB2D84-47C3-824B-9F35-A5A5A5C771A6}"/>
+                  </a:ext>
+                </a:extLst>
+              </p:cNvPr>
+              <p:cNvSpPr txBox="1"/>
+              <p:nvPr/>
+            </p:nvSpPr>
+            <p:spPr>
+              <a:xfrm>
+                <a:off x="5815290" y="5193557"/>
+                <a:ext cx="1629870" cy="369332"/>
+              </a:xfrm>
+              <a:prstGeom prst="rect">
+                <a:avLst/>
+              </a:prstGeom>
+              <a:noFill/>
+            </p:spPr>
+            <p:txBody>
+              <a:bodyPr wrap="none" rtlCol="0">
+                <a:spAutoFit/>
+              </a:bodyPr>
+              <a:lstStyle/>
+              <a:p>
+                <a:r>
+                  <a:rPr lang="en-US" i="1" dirty="0" err="1">
+                    <a:latin typeface="+mj-lt"/>
+                  </a:rPr>
+                  <a:t>button_parser.v</a:t>
+                </a:r>
+                <a:endParaRPr lang="en-US" i="1" dirty="0">
                   <a:latin typeface="+mj-lt"/>
-                </a:rPr>
-                <a:t>sampler.v</a:t>
-              </a:r>
-              <a:endParaRPr lang="en-US" i="1" dirty="0">
-                <a:latin typeface="+mj-lt"/>
-              </a:endParaRPr>
-            </a:p>
-          </p:txBody>
-        </p:sp>
-        <p:sp>
-          <p:nvSpPr>
-            <p:cNvPr id="32" name="TextBox 31">
-              <a:extLst>
-                <a:ext uri="{FF2B5EF4-FFF2-40B4-BE49-F238E27FC236}">
-                  <a16:creationId xmlns:a16="http://schemas.microsoft.com/office/drawing/2014/main" id="{10BB2D84-47C3-824B-9F35-A5A5A5C771A6}"/>
-                </a:ext>
-              </a:extLst>
-            </p:cNvPr>
-            <p:cNvSpPr txBox="1"/>
-            <p:nvPr/>
-          </p:nvSpPr>
-          <p:spPr>
-            <a:xfrm>
-              <a:off x="5815290" y="5193557"/>
-              <a:ext cx="1629870" cy="369332"/>
-            </a:xfrm>
-            <a:prstGeom prst="rect">
-              <a:avLst/>
-            </a:prstGeom>
-            <a:noFill/>
-          </p:spPr>
-          <p:txBody>
-            <a:bodyPr wrap="none" rtlCol="0">
-              <a:spAutoFit/>
-            </a:bodyPr>
-            <a:lstStyle/>
-            <a:p>
-              <a:r>
-                <a:rPr lang="en-US" i="1" dirty="0" err="1">
-                  <a:latin typeface="+mj-lt"/>
-                </a:rPr>
-                <a:t>button_parser.v</a:t>
-              </a:r>
-              <a:endParaRPr lang="en-US" i="1" dirty="0">
-                <a:latin typeface="+mj-lt"/>
-              </a:endParaRPr>
-            </a:p>
-          </p:txBody>
-        </p:sp>
+                </a:endParaRPr>
+              </a:p>
+            </p:txBody>
+          </p:sp>
+        </p:grpSp>
         <p:sp>
           <p:nvSpPr>
             <p:cNvPr id="34" name="TextBox 33">
@@ -4230,7 +3981,7 @@
           </p:nvSpPr>
           <p:spPr>
             <a:xfrm>
-              <a:off x="4190999" y="5042348"/>
+              <a:off x="4279990" y="5124330"/>
               <a:ext cx="669799" cy="369332"/>
             </a:xfrm>
             <a:prstGeom prst="rect">
@@ -4298,41 +4049,77 @@
         </p:sp>
         <p:sp>
           <p:nvSpPr>
-            <p:cNvPr id="36" name="TextBox 35">
+            <p:cNvPr id="9" name="Rectangle 8">
               <a:extLst>
                 <a:ext uri="{FF2B5EF4-FFF2-40B4-BE49-F238E27FC236}">
-                  <a16:creationId xmlns:a16="http://schemas.microsoft.com/office/drawing/2014/main" id="{0CAEB777-C829-D948-BA87-4970327AEA36}"/>
+                  <a16:creationId xmlns:a16="http://schemas.microsoft.com/office/drawing/2014/main" id="{D7D25ED3-46B9-BA4C-B1CB-2D9007CDAD84}"/>
                 </a:ext>
               </a:extLst>
             </p:cNvPr>
-            <p:cNvSpPr txBox="1"/>
+            <p:cNvSpPr/>
             <p:nvPr/>
           </p:nvSpPr>
           <p:spPr>
             <a:xfrm>
-              <a:off x="1951494" y="5073967"/>
-              <a:ext cx="1145763" cy="369332"/>
+              <a:off x="1750358" y="4379255"/>
+              <a:ext cx="1305859" cy="998969"/>
             </a:xfrm>
             <a:prstGeom prst="rect">
               <a:avLst/>
             </a:prstGeom>
-            <a:noFill/>
+            <a:solidFill>
+              <a:schemeClr val="bg2">
+                <a:lumMod val="50000"/>
+              </a:schemeClr>
+            </a:solidFill>
+            <a:ln w="25400">
+              <a:solidFill>
+                <a:schemeClr val="tx1"/>
+              </a:solidFill>
+            </a:ln>
           </p:spPr>
+          <p:style>
+            <a:lnRef idx="2">
+              <a:schemeClr val="accent1">
+                <a:shade val="50000"/>
+              </a:schemeClr>
+            </a:lnRef>
+            <a:fillRef idx="1">
+              <a:schemeClr val="accent1"/>
+            </a:fillRef>
+            <a:effectRef idx="0">
+              <a:schemeClr val="accent1"/>
+            </a:effectRef>
+            <a:fontRef idx="minor">
+              <a:schemeClr val="lt1"/>
+            </a:fontRef>
+          </p:style>
           <p:txBody>
-            <a:bodyPr wrap="none" rtlCol="0">
-              <a:spAutoFit/>
-            </a:bodyPr>
+            <a:bodyPr rtlCol="0" anchor="ctr" anchorCtr="0"/>
             <a:lstStyle/>
             <a:p>
+              <a:pPr algn="ctr"/>
               <a:r>
-                <a:rPr lang="en-US" i="1" dirty="0" err="1">
+                <a:rPr lang="en-US" sz="2000" dirty="0">
+                  <a:solidFill>
+                    <a:schemeClr val="tx1"/>
+                  </a:solidFill>
                   <a:latin typeface="+mj-lt"/>
                 </a:rPr>
-                <a:t>fcw_ram.v</a:t>
+                <a:t>RAM</a:t>
               </a:r>
-              <a:endParaRPr lang="en-US" i="1" dirty="0">
-                <a:latin typeface="+mj-lt"/>
-              </a:endParaRPr>
+            </a:p>
+            <a:p>
+              <a:pPr algn="ctr"/>
+              <a:r>
+                <a:rPr lang="en-US" sz="2000" dirty="0">
+                  <a:solidFill>
+                    <a:schemeClr val="tx1"/>
+                  </a:solidFill>
+                  <a:latin typeface="+mj-lt"/>
+                </a:rPr>
+                <a:t>14x4</a:t>
+              </a:r>
             </a:p>
           </p:txBody>
         </p:sp>
@@ -4724,7 +4511,7 @@
           </p:nvCxnSpPr>
           <p:spPr>
             <a:xfrm flipH="1">
-              <a:off x="2306764" y="4058441"/>
+              <a:off x="2306764" y="3959585"/>
               <a:ext cx="193043" cy="152401"/>
             </a:xfrm>
             <a:prstGeom prst="line">
@@ -4765,7 +4552,7 @@
           </p:nvSpPr>
           <p:spPr>
             <a:xfrm>
-              <a:off x="2434483" y="3929070"/>
+              <a:off x="2432904" y="3793391"/>
               <a:ext cx="794128" cy="369332"/>
             </a:xfrm>
             <a:prstGeom prst="rect">
@@ -4959,126 +4746,6 @@
         </p:sp>
         <p:cxnSp>
           <p:nvCxnSpPr>
-            <p:cNvPr id="72" name="Straight Connector 71">
-              <a:extLst>
-                <a:ext uri="{FF2B5EF4-FFF2-40B4-BE49-F238E27FC236}">
-                  <a16:creationId xmlns:a16="http://schemas.microsoft.com/office/drawing/2014/main" id="{5D93FF38-E513-614A-A01E-34389536585A}"/>
-                </a:ext>
-              </a:extLst>
-            </p:cNvPr>
-            <p:cNvCxnSpPr>
-              <a:cxnSpLocks/>
-            </p:cNvCxnSpPr>
-            <p:nvPr/>
-          </p:nvCxnSpPr>
-          <p:spPr>
-            <a:xfrm flipH="1">
-              <a:off x="3189429" y="4797742"/>
-              <a:ext cx="193043" cy="152401"/>
-            </a:xfrm>
-            <a:prstGeom prst="line">
-              <a:avLst/>
-            </a:prstGeom>
-            <a:ln w="25400">
-              <a:solidFill>
-                <a:schemeClr val="tx1"/>
-              </a:solidFill>
-            </a:ln>
-          </p:spPr>
-          <p:style>
-            <a:lnRef idx="1">
-              <a:schemeClr val="accent1"/>
-            </a:lnRef>
-            <a:fillRef idx="0">
-              <a:schemeClr val="accent1"/>
-            </a:fillRef>
-            <a:effectRef idx="0">
-              <a:schemeClr val="accent1"/>
-            </a:effectRef>
-            <a:fontRef idx="minor">
-              <a:schemeClr val="tx1"/>
-            </a:fontRef>
-          </p:style>
-        </p:cxnSp>
-        <p:sp>
-          <p:nvSpPr>
-            <p:cNvPr id="73" name="TextBox 72">
-              <a:extLst>
-                <a:ext uri="{FF2B5EF4-FFF2-40B4-BE49-F238E27FC236}">
-                  <a16:creationId xmlns:a16="http://schemas.microsoft.com/office/drawing/2014/main" id="{177349A0-BBDA-DD4A-809F-EBD9B871D034}"/>
-                </a:ext>
-              </a:extLst>
-            </p:cNvPr>
-            <p:cNvSpPr txBox="1"/>
-            <p:nvPr/>
-          </p:nvSpPr>
-          <p:spPr>
-            <a:xfrm>
-              <a:off x="3143633" y="4878738"/>
-              <a:ext cx="301686" cy="369332"/>
-            </a:xfrm>
-            <a:prstGeom prst="rect">
-              <a:avLst/>
-            </a:prstGeom>
-            <a:noFill/>
-          </p:spPr>
-          <p:txBody>
-            <a:bodyPr wrap="none" rtlCol="0">
-              <a:spAutoFit/>
-            </a:bodyPr>
-            <a:lstStyle/>
-            <a:p>
-              <a:r>
-                <a:rPr lang="en-US" dirty="0">
-                  <a:latin typeface="+mj-lt"/>
-                </a:rPr>
-                <a:t>2</a:t>
-              </a:r>
-            </a:p>
-          </p:txBody>
-        </p:sp>
-        <p:sp>
-          <p:nvSpPr>
-            <p:cNvPr id="74" name="TextBox 73">
-              <a:extLst>
-                <a:ext uri="{FF2B5EF4-FFF2-40B4-BE49-F238E27FC236}">
-                  <a16:creationId xmlns:a16="http://schemas.microsoft.com/office/drawing/2014/main" id="{B695F9D7-B20C-984F-B2F9-7F26FE32F8D6}"/>
-                </a:ext>
-              </a:extLst>
-            </p:cNvPr>
-            <p:cNvSpPr txBox="1"/>
-            <p:nvPr/>
-          </p:nvSpPr>
-          <p:spPr>
-            <a:xfrm>
-              <a:off x="3001773" y="4498197"/>
-              <a:ext cx="614271" cy="369332"/>
-            </a:xfrm>
-            <a:prstGeom prst="rect">
-              <a:avLst/>
-            </a:prstGeom>
-            <a:noFill/>
-          </p:spPr>
-          <p:txBody>
-            <a:bodyPr wrap="none" rtlCol="0">
-              <a:spAutoFit/>
-            </a:bodyPr>
-            <a:lstStyle/>
-            <a:p>
-              <a:r>
-                <a:rPr lang="en-US" dirty="0" err="1">
-                  <a:latin typeface="+mj-lt"/>
-                </a:rPr>
-                <a:t>addr</a:t>
-              </a:r>
-              <a:endParaRPr lang="en-US" dirty="0">
-                <a:latin typeface="+mj-lt"/>
-              </a:endParaRPr>
-            </a:p>
-          </p:txBody>
-        </p:sp>
-        <p:cxnSp>
-          <p:nvCxnSpPr>
             <p:cNvPr id="76" name="Straight Connector 75">
               <a:extLst>
                 <a:ext uri="{FF2B5EF4-FFF2-40B4-BE49-F238E27FC236}">
@@ -5093,7 +4760,7 @@
           </p:nvCxnSpPr>
           <p:spPr>
             <a:xfrm flipH="1">
-              <a:off x="5164291" y="4814930"/>
+              <a:off x="5473211" y="4777859"/>
               <a:ext cx="193043" cy="152401"/>
             </a:xfrm>
             <a:prstGeom prst="line">
@@ -5134,7 +4801,7 @@
           </p:nvSpPr>
           <p:spPr>
             <a:xfrm>
-              <a:off x="5112497" y="4894947"/>
+              <a:off x="5421417" y="4894947"/>
               <a:ext cx="301686" cy="369332"/>
             </a:xfrm>
             <a:prstGeom prst="rect">
@@ -5171,7 +4838,7 @@
           </p:nvSpPr>
           <p:spPr>
             <a:xfrm>
-              <a:off x="4824006" y="4525531"/>
+              <a:off x="5164291" y="4466441"/>
               <a:ext cx="900375" cy="369332"/>
             </a:xfrm>
             <a:prstGeom prst="rect">
@@ -5276,86 +4943,6 @@
         </p:sp>
         <p:cxnSp>
           <p:nvCxnSpPr>
-            <p:cNvPr id="82" name="Straight Connector 81">
-              <a:extLst>
-                <a:ext uri="{FF2B5EF4-FFF2-40B4-BE49-F238E27FC236}">
-                  <a16:creationId xmlns:a16="http://schemas.microsoft.com/office/drawing/2014/main" id="{929B10A1-A0F8-5745-A603-F29315507CD5}"/>
-                </a:ext>
-              </a:extLst>
-            </p:cNvPr>
-            <p:cNvCxnSpPr>
-              <a:cxnSpLocks/>
-            </p:cNvCxnSpPr>
-            <p:nvPr/>
-          </p:nvCxnSpPr>
-          <p:spPr>
-            <a:xfrm flipH="1">
-              <a:off x="6917806" y="2709622"/>
-              <a:ext cx="193043" cy="152401"/>
-            </a:xfrm>
-            <a:prstGeom prst="line">
-              <a:avLst/>
-            </a:prstGeom>
-            <a:ln w="25400">
-              <a:solidFill>
-                <a:schemeClr val="tx1"/>
-              </a:solidFill>
-            </a:ln>
-          </p:spPr>
-          <p:style>
-            <a:lnRef idx="1">
-              <a:schemeClr val="accent1"/>
-            </a:lnRef>
-            <a:fillRef idx="0">
-              <a:schemeClr val="accent1"/>
-            </a:fillRef>
-            <a:effectRef idx="0">
-              <a:schemeClr val="accent1"/>
-            </a:effectRef>
-            <a:fontRef idx="minor">
-              <a:schemeClr val="tx1"/>
-            </a:fontRef>
-          </p:style>
-        </p:cxnSp>
-        <p:sp>
-          <p:nvSpPr>
-            <p:cNvPr id="83" name="TextBox 82">
-              <a:extLst>
-                <a:ext uri="{FF2B5EF4-FFF2-40B4-BE49-F238E27FC236}">
-                  <a16:creationId xmlns:a16="http://schemas.microsoft.com/office/drawing/2014/main" id="{6018FAC6-C681-F348-8DB3-5B5C8EFCE5DB}"/>
-                </a:ext>
-              </a:extLst>
-            </p:cNvPr>
-            <p:cNvSpPr txBox="1"/>
-            <p:nvPr/>
-          </p:nvSpPr>
-          <p:spPr>
-            <a:xfrm>
-              <a:off x="6817558" y="2798522"/>
-              <a:ext cx="418704" cy="369332"/>
-            </a:xfrm>
-            <a:prstGeom prst="rect">
-              <a:avLst/>
-            </a:prstGeom>
-            <a:noFill/>
-          </p:spPr>
-          <p:txBody>
-            <a:bodyPr wrap="none" rtlCol="0">
-              <a:spAutoFit/>
-            </a:bodyPr>
-            <a:lstStyle/>
-            <a:p>
-              <a:r>
-                <a:rPr lang="en-US" dirty="0">
-                  <a:latin typeface="+mj-lt"/>
-                </a:rPr>
-                <a:t>10</a:t>
-              </a:r>
-            </a:p>
-          </p:txBody>
-        </p:sp>
-        <p:cxnSp>
-          <p:nvCxnSpPr>
             <p:cNvPr id="85" name="Straight Connector 84">
               <a:extLst>
                 <a:ext uri="{FF2B5EF4-FFF2-40B4-BE49-F238E27FC236}">
@@ -5365,13 +4952,14 @@
             </p:cNvPr>
             <p:cNvCxnSpPr>
               <a:cxnSpLocks/>
+              <a:stCxn id="60" idx="1"/>
             </p:cNvCxnSpPr>
             <p:nvPr/>
           </p:nvCxnSpPr>
           <p:spPr>
-            <a:xfrm flipH="1">
-              <a:off x="8657743" y="2797395"/>
-              <a:ext cx="596153" cy="0"/>
+            <a:xfrm flipH="1" flipV="1">
+              <a:off x="6786623" y="2797396"/>
+              <a:ext cx="969974" cy="9432"/>
             </a:xfrm>
             <a:prstGeom prst="line">
               <a:avLst/>
@@ -5413,7 +5001,7 @@
           </p:nvCxnSpPr>
           <p:spPr>
             <a:xfrm flipH="1">
-              <a:off x="8859297" y="2721194"/>
+              <a:off x="6988176" y="2721194"/>
               <a:ext cx="193043" cy="152401"/>
             </a:xfrm>
             <a:prstGeom prst="line">
@@ -5454,7 +5042,7 @@
           </p:nvSpPr>
           <p:spPr>
             <a:xfrm>
-              <a:off x="8809417" y="2831361"/>
+              <a:off x="6938296" y="2831361"/>
               <a:ext cx="818301" cy="369332"/>
             </a:xfrm>
             <a:prstGeom prst="rect">
@@ -5501,7 +5089,7 @@
           <p:spPr>
             <a:xfrm>
               <a:off x="974050" y="1323099"/>
-              <a:ext cx="9169410" cy="4641766"/>
+              <a:ext cx="7984599" cy="4641766"/>
             </a:xfrm>
             <a:prstGeom prst="rect">
               <a:avLst/>
@@ -5557,7 +5145,7 @@
           </p:nvSpPr>
           <p:spPr>
             <a:xfrm>
-              <a:off x="9204685" y="5562889"/>
+              <a:off x="7985477" y="5595533"/>
               <a:ext cx="846065" cy="369332"/>
             </a:xfrm>
             <a:prstGeom prst="rect">
@@ -5576,6 +5164,410 @@
                   <a:latin typeface="+mj-lt"/>
                 </a:rPr>
                 <a:t>z1top.v</a:t>
+              </a:r>
+            </a:p>
+          </p:txBody>
+        </p:sp>
+        <p:grpSp>
+          <p:nvGrpSpPr>
+            <p:cNvPr id="42" name="Group 41">
+              <a:extLst>
+                <a:ext uri="{FF2B5EF4-FFF2-40B4-BE49-F238E27FC236}">
+                  <a16:creationId xmlns:a16="http://schemas.microsoft.com/office/drawing/2014/main" id="{51AB9EF3-45A0-304A-A2ED-96072B726153}"/>
+                </a:ext>
+              </a:extLst>
+            </p:cNvPr>
+            <p:cNvGrpSpPr/>
+            <p:nvPr/>
+          </p:nvGrpSpPr>
+          <p:grpSpPr>
+            <a:xfrm>
+              <a:off x="7756597" y="2484016"/>
+              <a:ext cx="999505" cy="645624"/>
+              <a:chOff x="9306030" y="1566236"/>
+              <a:chExt cx="999505" cy="645624"/>
+            </a:xfrm>
+          </p:grpSpPr>
+          <p:sp>
+            <p:nvSpPr>
+              <p:cNvPr id="60" name="Rectangle 59">
+                <a:extLst>
+                  <a:ext uri="{FF2B5EF4-FFF2-40B4-BE49-F238E27FC236}">
+                    <a16:creationId xmlns:a16="http://schemas.microsoft.com/office/drawing/2014/main" id="{0464E305-BEDE-5340-95B9-45A54B72D60B}"/>
+                  </a:ext>
+                </a:extLst>
+              </p:cNvPr>
+              <p:cNvSpPr/>
+              <p:nvPr/>
+            </p:nvSpPr>
+            <p:spPr>
+              <a:xfrm>
+                <a:off x="9306030" y="1566236"/>
+                <a:ext cx="999505" cy="645624"/>
+              </a:xfrm>
+              <a:prstGeom prst="rect">
+                <a:avLst/>
+              </a:prstGeom>
+              <a:noFill/>
+              <a:ln w="25400">
+                <a:solidFill>
+                  <a:schemeClr val="tx1"/>
+                </a:solidFill>
+              </a:ln>
+            </p:spPr>
+            <p:style>
+              <a:lnRef idx="2">
+                <a:schemeClr val="accent1">
+                  <a:shade val="50000"/>
+                </a:schemeClr>
+              </a:lnRef>
+              <a:fillRef idx="1">
+                <a:schemeClr val="accent1"/>
+              </a:fillRef>
+              <a:effectRef idx="0">
+                <a:schemeClr val="accent1"/>
+              </a:effectRef>
+              <a:fontRef idx="minor">
+                <a:schemeClr val="lt1"/>
+              </a:fontRef>
+            </p:style>
+            <p:txBody>
+              <a:bodyPr rtlCol="0" anchor="ctr" anchorCtr="0"/>
+              <a:lstStyle/>
+              <a:p>
+                <a:pPr algn="ctr"/>
+                <a:endParaRPr lang="en-US" sz="2000" dirty="0">
+                  <a:solidFill>
+                    <a:schemeClr val="tx1"/>
+                  </a:solidFill>
+                  <a:latin typeface="+mj-lt"/>
+                </a:endParaRPr>
+              </a:p>
+            </p:txBody>
+          </p:sp>
+          <p:cxnSp>
+            <p:nvCxnSpPr>
+              <p:cNvPr id="61" name="Straight Connector 60">
+                <a:extLst>
+                  <a:ext uri="{FF2B5EF4-FFF2-40B4-BE49-F238E27FC236}">
+                    <a16:creationId xmlns:a16="http://schemas.microsoft.com/office/drawing/2014/main" id="{3196E94B-BACB-D142-9BEF-16D01DE14F5E}"/>
+                  </a:ext>
+                </a:extLst>
+              </p:cNvPr>
+              <p:cNvCxnSpPr>
+                <a:cxnSpLocks/>
+              </p:cNvCxnSpPr>
+              <p:nvPr/>
+            </p:nvCxnSpPr>
+            <p:spPr>
+              <a:xfrm flipH="1">
+                <a:off x="9435088" y="1788260"/>
+                <a:ext cx="487388" cy="0"/>
+              </a:xfrm>
+              <a:prstGeom prst="line">
+                <a:avLst/>
+              </a:prstGeom>
+              <a:ln w="25400">
+                <a:solidFill>
+                  <a:schemeClr val="tx1"/>
+                </a:solidFill>
+              </a:ln>
+            </p:spPr>
+            <p:style>
+              <a:lnRef idx="1">
+                <a:schemeClr val="accent1"/>
+              </a:lnRef>
+              <a:fillRef idx="0">
+                <a:schemeClr val="accent1"/>
+              </a:fillRef>
+              <a:effectRef idx="0">
+                <a:schemeClr val="accent1"/>
+              </a:effectRef>
+              <a:fontRef idx="minor">
+                <a:schemeClr val="tx1"/>
+              </a:fontRef>
+            </p:style>
+          </p:cxnSp>
+          <p:cxnSp>
+            <p:nvCxnSpPr>
+              <p:cNvPr id="62" name="Straight Connector 61">
+                <a:extLst>
+                  <a:ext uri="{FF2B5EF4-FFF2-40B4-BE49-F238E27FC236}">
+                    <a16:creationId xmlns:a16="http://schemas.microsoft.com/office/drawing/2014/main" id="{5294C90D-5693-E64E-96B0-20DCFFADD985}"/>
+                  </a:ext>
+                </a:extLst>
+              </p:cNvPr>
+              <p:cNvCxnSpPr>
+                <a:cxnSpLocks/>
+              </p:cNvCxnSpPr>
+              <p:nvPr/>
+            </p:nvCxnSpPr>
+            <p:spPr>
+              <a:xfrm flipH="1" flipV="1">
+                <a:off x="9908221" y="1772078"/>
+                <a:ext cx="286105" cy="308269"/>
+              </a:xfrm>
+              <a:prstGeom prst="line">
+                <a:avLst/>
+              </a:prstGeom>
+              <a:ln w="25400">
+                <a:solidFill>
+                  <a:schemeClr val="tx1"/>
+                </a:solidFill>
+              </a:ln>
+            </p:spPr>
+            <p:style>
+              <a:lnRef idx="1">
+                <a:schemeClr val="accent1"/>
+              </a:lnRef>
+              <a:fillRef idx="0">
+                <a:schemeClr val="accent1"/>
+              </a:fillRef>
+              <a:effectRef idx="0">
+                <a:schemeClr val="accent1"/>
+              </a:effectRef>
+              <a:fontRef idx="minor">
+                <a:schemeClr val="tx1"/>
+              </a:fontRef>
+            </p:style>
+          </p:cxnSp>
+        </p:grpSp>
+        <p:cxnSp>
+          <p:nvCxnSpPr>
+            <p:cNvPr id="79" name="Straight Connector 78">
+              <a:extLst>
+                <a:ext uri="{FF2B5EF4-FFF2-40B4-BE49-F238E27FC236}">
+                  <a16:creationId xmlns:a16="http://schemas.microsoft.com/office/drawing/2014/main" id="{1AF80843-64A6-FA42-B431-F68C5AD9705C}"/>
+                </a:ext>
+              </a:extLst>
+            </p:cNvPr>
+            <p:cNvCxnSpPr>
+              <a:cxnSpLocks/>
+            </p:cNvCxnSpPr>
+            <p:nvPr/>
+          </p:nvCxnSpPr>
+          <p:spPr>
+            <a:xfrm flipH="1">
+              <a:off x="7902335" y="4842815"/>
+              <a:ext cx="1365234" cy="12241"/>
+            </a:xfrm>
+            <a:prstGeom prst="line">
+              <a:avLst/>
+            </a:prstGeom>
+            <a:ln w="25400">
+              <a:solidFill>
+                <a:schemeClr val="tx1"/>
+              </a:solidFill>
+            </a:ln>
+          </p:spPr>
+          <p:style>
+            <a:lnRef idx="1">
+              <a:schemeClr val="accent1"/>
+            </a:lnRef>
+            <a:fillRef idx="0">
+              <a:schemeClr val="accent1"/>
+            </a:fillRef>
+            <a:effectRef idx="0">
+              <a:schemeClr val="accent1"/>
+            </a:effectRef>
+            <a:fontRef idx="minor">
+              <a:schemeClr val="tx1"/>
+            </a:fontRef>
+          </p:style>
+        </p:cxnSp>
+        <p:cxnSp>
+          <p:nvCxnSpPr>
+            <p:cNvPr id="84" name="Straight Connector 83">
+              <a:extLst>
+                <a:ext uri="{FF2B5EF4-FFF2-40B4-BE49-F238E27FC236}">
+                  <a16:creationId xmlns:a16="http://schemas.microsoft.com/office/drawing/2014/main" id="{903F3975-8CEC-2B48-8210-9743382C25C2}"/>
+                </a:ext>
+              </a:extLst>
+            </p:cNvPr>
+            <p:cNvCxnSpPr>
+              <a:cxnSpLocks/>
+            </p:cNvCxnSpPr>
+            <p:nvPr/>
+          </p:nvCxnSpPr>
+          <p:spPr>
+            <a:xfrm flipH="1">
+              <a:off x="8294397" y="4784901"/>
+              <a:ext cx="193043" cy="152401"/>
+            </a:xfrm>
+            <a:prstGeom prst="line">
+              <a:avLst/>
+            </a:prstGeom>
+            <a:ln w="25400">
+              <a:solidFill>
+                <a:schemeClr val="tx1"/>
+              </a:solidFill>
+            </a:ln>
+          </p:spPr>
+          <p:style>
+            <a:lnRef idx="1">
+              <a:schemeClr val="accent1"/>
+            </a:lnRef>
+            <a:fillRef idx="0">
+              <a:schemeClr val="accent1"/>
+            </a:fillRef>
+            <a:effectRef idx="0">
+              <a:schemeClr val="accent1"/>
+            </a:effectRef>
+            <a:fontRef idx="minor">
+              <a:schemeClr val="tx1"/>
+            </a:fontRef>
+          </p:style>
+        </p:cxnSp>
+        <p:sp>
+          <p:nvSpPr>
+            <p:cNvPr id="91" name="TextBox 90">
+              <a:extLst>
+                <a:ext uri="{FF2B5EF4-FFF2-40B4-BE49-F238E27FC236}">
+                  <a16:creationId xmlns:a16="http://schemas.microsoft.com/office/drawing/2014/main" id="{0CDC341A-AE5C-D847-BE8A-F2C1A51518BA}"/>
+                </a:ext>
+              </a:extLst>
+            </p:cNvPr>
+            <p:cNvSpPr txBox="1"/>
+            <p:nvPr/>
+          </p:nvSpPr>
+          <p:spPr>
+            <a:xfrm>
+              <a:off x="8242603" y="4901989"/>
+              <a:ext cx="301686" cy="369332"/>
+            </a:xfrm>
+            <a:prstGeom prst="rect">
+              <a:avLst/>
+            </a:prstGeom>
+            <a:noFill/>
+          </p:spPr>
+          <p:txBody>
+            <a:bodyPr wrap="none" rtlCol="0">
+              <a:spAutoFit/>
+            </a:bodyPr>
+            <a:lstStyle/>
+            <a:p>
+              <a:r>
+                <a:rPr lang="en-US" dirty="0">
+                  <a:latin typeface="+mj-lt"/>
+                </a:rPr>
+                <a:t>4</a:t>
+              </a:r>
+            </a:p>
+          </p:txBody>
+        </p:sp>
+        <p:sp>
+          <p:nvSpPr>
+            <p:cNvPr id="92" name="TextBox 91">
+              <a:extLst>
+                <a:ext uri="{FF2B5EF4-FFF2-40B4-BE49-F238E27FC236}">
+                  <a16:creationId xmlns:a16="http://schemas.microsoft.com/office/drawing/2014/main" id="{F43305B0-F198-5047-AD71-2FF65A5A8664}"/>
+                </a:ext>
+              </a:extLst>
+            </p:cNvPr>
+            <p:cNvSpPr txBox="1"/>
+            <p:nvPr/>
+          </p:nvSpPr>
+          <p:spPr>
+            <a:xfrm>
+              <a:off x="8945667" y="4473483"/>
+              <a:ext cx="1128835" cy="369332"/>
+            </a:xfrm>
+            <a:prstGeom prst="rect">
+              <a:avLst/>
+            </a:prstGeom>
+            <a:noFill/>
+          </p:spPr>
+          <p:txBody>
+            <a:bodyPr wrap="none" rtlCol="0">
+              <a:spAutoFit/>
+            </a:bodyPr>
+            <a:lstStyle/>
+            <a:p>
+              <a:r>
+                <a:rPr lang="en-US" dirty="0">
+                  <a:latin typeface="+mj-lt"/>
+                </a:rPr>
+                <a:t>user input</a:t>
+              </a:r>
+            </a:p>
+          </p:txBody>
+        </p:sp>
+        <p:cxnSp>
+          <p:nvCxnSpPr>
+            <p:cNvPr id="93" name="Straight Connector 92">
+              <a:extLst>
+                <a:ext uri="{FF2B5EF4-FFF2-40B4-BE49-F238E27FC236}">
+                  <a16:creationId xmlns:a16="http://schemas.microsoft.com/office/drawing/2014/main" id="{BEE42F79-C5C4-4F46-85AE-2DC4970E3133}"/>
+                </a:ext>
+              </a:extLst>
+            </p:cNvPr>
+            <p:cNvCxnSpPr>
+              <a:cxnSpLocks/>
+            </p:cNvCxnSpPr>
+            <p:nvPr/>
+          </p:nvCxnSpPr>
+          <p:spPr>
+            <a:xfrm flipH="1">
+              <a:off x="8762905" y="2826645"/>
+              <a:ext cx="404100" cy="0"/>
+            </a:xfrm>
+            <a:prstGeom prst="line">
+              <a:avLst/>
+            </a:prstGeom>
+            <a:ln w="25400">
+              <a:solidFill>
+                <a:schemeClr val="tx1"/>
+              </a:solidFill>
+            </a:ln>
+          </p:spPr>
+          <p:style>
+            <a:lnRef idx="1">
+              <a:schemeClr val="accent1"/>
+            </a:lnRef>
+            <a:fillRef idx="0">
+              <a:schemeClr val="accent1"/>
+            </a:fillRef>
+            <a:effectRef idx="0">
+              <a:schemeClr val="accent1"/>
+            </a:effectRef>
+            <a:fontRef idx="minor">
+              <a:schemeClr val="tx1"/>
+            </a:fontRef>
+          </p:style>
+        </p:cxnSp>
+        <p:sp>
+          <p:nvSpPr>
+            <p:cNvPr id="94" name="TextBox 93">
+              <a:extLst>
+                <a:ext uri="{FF2B5EF4-FFF2-40B4-BE49-F238E27FC236}">
+                  <a16:creationId xmlns:a16="http://schemas.microsoft.com/office/drawing/2014/main" id="{8767CAD2-E185-5144-8F5B-2A432D54634A}"/>
+                </a:ext>
+              </a:extLst>
+            </p:cNvPr>
+            <p:cNvSpPr txBox="1"/>
+            <p:nvPr/>
+          </p:nvSpPr>
+          <p:spPr>
+            <a:xfrm>
+              <a:off x="8965101" y="2503915"/>
+              <a:ext cx="1390124" cy="369332"/>
+            </a:xfrm>
+            <a:prstGeom prst="rect">
+              <a:avLst/>
+            </a:prstGeom>
+            <a:noFill/>
+          </p:spPr>
+          <p:txBody>
+            <a:bodyPr wrap="none" rtlCol="0">
+              <a:spAutoFit/>
+            </a:bodyPr>
+            <a:lstStyle/>
+            <a:p>
+              <a:r>
+                <a:rPr lang="en-US" dirty="0">
+                  <a:latin typeface="+mj-lt"/>
+                </a:rPr>
+                <a:t>audio output</a:t>
               </a:r>
             </a:p>
           </p:txBody>
@@ -5613,10 +5605,10 @@
       </p:grpSpPr>
       <p:grpSp>
         <p:nvGrpSpPr>
-          <p:cNvPr id="32" name="Group 31">
+          <p:cNvPr id="2" name="Group 1">
             <a:extLst>
               <a:ext uri="{FF2B5EF4-FFF2-40B4-BE49-F238E27FC236}">
-                <a16:creationId xmlns:a16="http://schemas.microsoft.com/office/drawing/2014/main" id="{203D0BDD-B2BD-4C43-858C-CA5FF545A6CC}"/>
+                <a16:creationId xmlns:a16="http://schemas.microsoft.com/office/drawing/2014/main" id="{6C84EE43-ACBA-6348-BEA3-8646A8D70157}"/>
               </a:ext>
             </a:extLst>
           </p:cNvPr>
@@ -5625,10 +5617,10 @@
         </p:nvGrpSpPr>
         <p:grpSpPr>
           <a:xfrm>
-            <a:off x="985141" y="993438"/>
-            <a:ext cx="5427727" cy="4604046"/>
-            <a:chOff x="985141" y="993438"/>
-            <a:chExt cx="5427727" cy="4604046"/>
+            <a:off x="1322295" y="993438"/>
+            <a:ext cx="5090573" cy="4562438"/>
+            <a:chOff x="1322295" y="993438"/>
+            <a:chExt cx="5090573" cy="4562438"/>
           </a:xfrm>
         </p:grpSpPr>
         <p:sp>
@@ -5837,7 +5829,7 @@
           </p:nvSpPr>
           <p:spPr>
             <a:xfrm>
-              <a:off x="4143482" y="3014929"/>
+              <a:off x="3462217" y="2333064"/>
               <a:ext cx="1308371" cy="646331"/>
             </a:xfrm>
             <a:prstGeom prst="rect">
@@ -5853,9 +5845,6 @@
             <a:p>
               <a:r>
                 <a:rPr lang="en-US" i="1" dirty="0">
-                  <a:solidFill>
-                    <a:schemeClr val="accent1"/>
-                  </a:solidFill>
                   <a:latin typeface="+mj-lt"/>
                 </a:rPr>
                 <a:t>play-paused</a:t>
@@ -5864,9 +5853,6 @@
             <a:p>
               <a:r>
                 <a:rPr lang="en-US" i="1" dirty="0">
-                  <a:solidFill>
-                    <a:schemeClr val="accent1"/>
-                  </a:solidFill>
                   <a:latin typeface="+mj-lt"/>
                 </a:rPr>
                 <a:t> button</a:t>
@@ -5919,50 +5905,6 @@
             </a:p>
           </p:txBody>
         </p:sp>
-        <p:cxnSp>
-          <p:nvCxnSpPr>
-            <p:cNvPr id="41" name="Straight Arrow Connector 40">
-              <a:extLst>
-                <a:ext uri="{FF2B5EF4-FFF2-40B4-BE49-F238E27FC236}">
-                  <a16:creationId xmlns:a16="http://schemas.microsoft.com/office/drawing/2014/main" id="{7F08740C-A4D4-7541-86EA-A7EFF147F477}"/>
-                </a:ext>
-              </a:extLst>
-            </p:cNvPr>
-            <p:cNvCxnSpPr>
-              <a:cxnSpLocks/>
-            </p:cNvCxnSpPr>
-            <p:nvPr/>
-          </p:nvCxnSpPr>
-          <p:spPr>
-            <a:xfrm flipH="1">
-              <a:off x="2845441" y="5210108"/>
-              <a:ext cx="1843830" cy="0"/>
-            </a:xfrm>
-            <a:prstGeom prst="straightConnector1">
-              <a:avLst/>
-            </a:prstGeom>
-            <a:ln w="25400">
-              <a:solidFill>
-                <a:schemeClr val="tx1"/>
-              </a:solidFill>
-              <a:tailEnd type="triangle"/>
-            </a:ln>
-          </p:spPr>
-          <p:style>
-            <a:lnRef idx="1">
-              <a:schemeClr val="accent1"/>
-            </a:lnRef>
-            <a:fillRef idx="0">
-              <a:schemeClr val="accent1"/>
-            </a:fillRef>
-            <a:effectRef idx="0">
-              <a:schemeClr val="accent1"/>
-            </a:effectRef>
-            <a:fontRef idx="minor">
-              <a:schemeClr val="tx1"/>
-            </a:fontRef>
-          </p:style>
-        </p:cxnSp>
         <p:sp>
           <p:nvSpPr>
             <p:cNvPr id="43" name="Rectangle 42">
@@ -6041,7 +5983,7 @@
           </p:nvSpPr>
           <p:spPr>
             <a:xfrm>
-              <a:off x="2227226" y="2884988"/>
+              <a:off x="2041871" y="2884988"/>
               <a:ext cx="909673" cy="646331"/>
             </a:xfrm>
             <a:prstGeom prst="rect">
@@ -6096,7 +6038,7 @@
             </a:prstGeom>
             <a:ln w="25400">
               <a:solidFill>
-                <a:schemeClr val="accent1"/>
+                <a:schemeClr val="tx1"/>
               </a:solidFill>
               <a:tailEnd type="triangle"/>
             </a:ln>
@@ -6130,7 +6072,7 @@
           </p:nvSpPr>
           <p:spPr>
             <a:xfrm>
-              <a:off x="2795624" y="4425952"/>
+              <a:off x="2795624" y="4537165"/>
               <a:ext cx="1974964" cy="369332"/>
             </a:xfrm>
             <a:prstGeom prst="rect">
@@ -6153,132 +6095,6 @@
             </a:p>
           </p:txBody>
         </p:sp>
-        <p:sp>
-          <p:nvSpPr>
-            <p:cNvPr id="28" name="TextBox 27">
-              <a:extLst>
-                <a:ext uri="{FF2B5EF4-FFF2-40B4-BE49-F238E27FC236}">
-                  <a16:creationId xmlns:a16="http://schemas.microsoft.com/office/drawing/2014/main" id="{27E84F17-C6C7-D546-A11F-B9DDA8071E93}"/>
-                </a:ext>
-              </a:extLst>
-            </p:cNvPr>
-            <p:cNvSpPr txBox="1"/>
-            <p:nvPr/>
-          </p:nvSpPr>
-          <p:spPr>
-            <a:xfrm>
-              <a:off x="3086993" y="5228152"/>
-              <a:ext cx="1392226" cy="369332"/>
-            </a:xfrm>
-            <a:prstGeom prst="rect">
-              <a:avLst/>
-            </a:prstGeom>
-            <a:noFill/>
-          </p:spPr>
-          <p:txBody>
-            <a:bodyPr wrap="square" rtlCol="0">
-              <a:spAutoFit/>
-            </a:bodyPr>
-            <a:lstStyle/>
-            <a:p>
-              <a:r>
-                <a:rPr lang="en-US" i="1" dirty="0">
-                  <a:latin typeface="+mj-lt"/>
-                </a:rPr>
-                <a:t>reset button</a:t>
-              </a:r>
-            </a:p>
-          </p:txBody>
-        </p:sp>
-        <p:sp>
-          <p:nvSpPr>
-            <p:cNvPr id="30" name="TextBox 29">
-              <a:extLst>
-                <a:ext uri="{FF2B5EF4-FFF2-40B4-BE49-F238E27FC236}">
-                  <a16:creationId xmlns:a16="http://schemas.microsoft.com/office/drawing/2014/main" id="{8A320D9F-EBFA-AE4D-A028-C91F44A2F86C}"/>
-                </a:ext>
-              </a:extLst>
-            </p:cNvPr>
-            <p:cNvSpPr txBox="1"/>
-            <p:nvPr/>
-          </p:nvSpPr>
-          <p:spPr>
-            <a:xfrm>
-              <a:off x="3675653" y="1956135"/>
-              <a:ext cx="973006" cy="646331"/>
-            </a:xfrm>
-            <a:prstGeom prst="rect">
-              <a:avLst/>
-            </a:prstGeom>
-            <a:noFill/>
-          </p:spPr>
-          <p:txBody>
-            <a:bodyPr wrap="square" rtlCol="0">
-              <a:spAutoFit/>
-            </a:bodyPr>
-            <a:lstStyle/>
-            <a:p>
-              <a:r>
-                <a:rPr lang="en-US" i="1" dirty="0">
-                  <a:latin typeface="+mj-lt"/>
-                </a:rPr>
-                <a:t>reset</a:t>
-              </a:r>
-            </a:p>
-            <a:p>
-              <a:r>
-                <a:rPr lang="en-US" i="1" dirty="0">
-                  <a:latin typeface="+mj-lt"/>
-                </a:rPr>
-                <a:t>button</a:t>
-              </a:r>
-            </a:p>
-          </p:txBody>
-        </p:sp>
-        <p:cxnSp>
-          <p:nvCxnSpPr>
-            <p:cNvPr id="31" name="Straight Arrow Connector 30">
-              <a:extLst>
-                <a:ext uri="{FF2B5EF4-FFF2-40B4-BE49-F238E27FC236}">
-                  <a16:creationId xmlns:a16="http://schemas.microsoft.com/office/drawing/2014/main" id="{D1D220E1-BD8E-804E-AC60-E1A7C2A1AD0C}"/>
-                </a:ext>
-              </a:extLst>
-            </p:cNvPr>
-            <p:cNvCxnSpPr>
-              <a:cxnSpLocks/>
-            </p:cNvCxnSpPr>
-            <p:nvPr/>
-          </p:nvCxnSpPr>
-          <p:spPr>
-            <a:xfrm>
-              <a:off x="1772953" y="2570872"/>
-              <a:ext cx="0" cy="1478151"/>
-            </a:xfrm>
-            <a:prstGeom prst="straightConnector1">
-              <a:avLst/>
-            </a:prstGeom>
-            <a:ln w="25400">
-              <a:solidFill>
-                <a:schemeClr val="tx1"/>
-              </a:solidFill>
-              <a:tailEnd type="triangle"/>
-            </a:ln>
-          </p:spPr>
-          <p:style>
-            <a:lnRef idx="1">
-              <a:schemeClr val="accent1"/>
-            </a:lnRef>
-            <a:fillRef idx="0">
-              <a:schemeClr val="accent1"/>
-            </a:fillRef>
-            <a:effectRef idx="0">
-              <a:schemeClr val="accent1"/>
-            </a:effectRef>
-            <a:fontRef idx="minor">
-              <a:schemeClr val="tx1"/>
-            </a:fontRef>
-          </p:style>
-        </p:cxnSp>
         <p:cxnSp>
           <p:nvCxnSpPr>
             <p:cNvPr id="11" name="Straight Arrow Connector 10">
@@ -6295,7 +6111,7 @@
           </p:nvCxnSpPr>
           <p:spPr>
             <a:xfrm>
-              <a:off x="2845441" y="4845793"/>
+              <a:off x="2845441" y="4957006"/>
               <a:ext cx="1831148" cy="0"/>
             </a:xfrm>
             <a:prstGeom prst="straightConnector1">
@@ -6340,7 +6156,7 @@
           </p:nvCxnSpPr>
           <p:spPr>
             <a:xfrm>
-              <a:off x="2188875" y="2606241"/>
+              <a:off x="2003520" y="2606241"/>
               <a:ext cx="0" cy="1442782"/>
             </a:xfrm>
             <a:prstGeom prst="straightConnector1">
@@ -6369,51 +6185,6 @@
             </a:fontRef>
           </p:style>
         </p:cxnSp>
-        <p:sp>
-          <p:nvSpPr>
-            <p:cNvPr id="38" name="TextBox 37">
-              <a:extLst>
-                <a:ext uri="{FF2B5EF4-FFF2-40B4-BE49-F238E27FC236}">
-                  <a16:creationId xmlns:a16="http://schemas.microsoft.com/office/drawing/2014/main" id="{2ACE6069-040C-EB44-A05C-13EC7913C146}"/>
-                </a:ext>
-              </a:extLst>
-            </p:cNvPr>
-            <p:cNvSpPr txBox="1"/>
-            <p:nvPr/>
-          </p:nvSpPr>
-          <p:spPr>
-            <a:xfrm>
-              <a:off x="985141" y="2827252"/>
-              <a:ext cx="973006" cy="646331"/>
-            </a:xfrm>
-            <a:prstGeom prst="rect">
-              <a:avLst/>
-            </a:prstGeom>
-            <a:noFill/>
-          </p:spPr>
-          <p:txBody>
-            <a:bodyPr wrap="square" rtlCol="0">
-              <a:spAutoFit/>
-            </a:bodyPr>
-            <a:lstStyle/>
-            <a:p>
-              <a:r>
-                <a:rPr lang="en-US" i="1" dirty="0">
-                  <a:latin typeface="+mj-lt"/>
-                </a:rPr>
-                <a:t>reset</a:t>
-              </a:r>
-            </a:p>
-            <a:p>
-              <a:r>
-                <a:rPr lang="en-US" i="1" dirty="0">
-                  <a:latin typeface="+mj-lt"/>
-                </a:rPr>
-                <a:t>button</a:t>
-              </a:r>
-            </a:p>
-          </p:txBody>
-        </p:sp>
         <p:cxnSp>
           <p:nvCxnSpPr>
             <p:cNvPr id="45" name="Straight Arrow Connector 44">
@@ -6441,50 +6212,6 @@
                 <a:schemeClr val="tx1"/>
               </a:solidFill>
               <a:headEnd type="triangle"/>
-              <a:tailEnd type="triangle"/>
-            </a:ln>
-          </p:spPr>
-          <p:style>
-            <a:lnRef idx="1">
-              <a:schemeClr val="accent1"/>
-            </a:lnRef>
-            <a:fillRef idx="0">
-              <a:schemeClr val="accent1"/>
-            </a:fillRef>
-            <a:effectRef idx="0">
-              <a:schemeClr val="accent1"/>
-            </a:effectRef>
-            <a:fontRef idx="minor">
-              <a:schemeClr val="tx1"/>
-            </a:fontRef>
-          </p:style>
-        </p:cxnSp>
-        <p:cxnSp>
-          <p:nvCxnSpPr>
-            <p:cNvPr id="46" name="Straight Arrow Connector 45">
-              <a:extLst>
-                <a:ext uri="{FF2B5EF4-FFF2-40B4-BE49-F238E27FC236}">
-                  <a16:creationId xmlns:a16="http://schemas.microsoft.com/office/drawing/2014/main" id="{6091F98E-254A-034C-8853-54EC96B5488C}"/>
-                </a:ext>
-              </a:extLst>
-            </p:cNvPr>
-            <p:cNvCxnSpPr>
-              <a:cxnSpLocks/>
-            </p:cNvCxnSpPr>
-            <p:nvPr/>
-          </p:nvCxnSpPr>
-          <p:spPr>
-            <a:xfrm flipH="1">
-              <a:off x="2845442" y="2432048"/>
-              <a:ext cx="1718736" cy="1616975"/>
-            </a:xfrm>
-            <a:prstGeom prst="straightConnector1">
-              <a:avLst/>
-            </a:prstGeom>
-            <a:ln w="25400">
-              <a:solidFill>
-                <a:schemeClr val="tx1"/>
-              </a:solidFill>
               <a:tailEnd type="triangle"/>
             </a:ln>
           </p:spPr>
